--- a/data/2020-21/cs/tf-cs-03a.pptx
+++ b/data/2020-21/cs/tf-cs-03a.pptx
@@ -326,7 +326,7 @@
           <a:p>
             <a:fld id="{F61FC408-B707-4AD1-9019-CBC7A56463C9}" type="datetimeFigureOut">
               <a:rPr lang="cs-CZ" smtClean="0"/>
-              <a:t>28.03.2021</a:t>
+              <a:t>19.04.2021</a:t>
             </a:fld>
             <a:endParaRPr lang="cs-CZ"/>
           </a:p>
@@ -496,7 +496,7 @@
           <a:p>
             <a:fld id="{F61FC408-B707-4AD1-9019-CBC7A56463C9}" type="datetimeFigureOut">
               <a:rPr lang="cs-CZ" smtClean="0"/>
-              <a:t>28.03.2021</a:t>
+              <a:t>19.04.2021</a:t>
             </a:fld>
             <a:endParaRPr lang="cs-CZ"/>
           </a:p>
@@ -676,7 +676,7 @@
           <a:p>
             <a:fld id="{F61FC408-B707-4AD1-9019-CBC7A56463C9}" type="datetimeFigureOut">
               <a:rPr lang="cs-CZ" smtClean="0"/>
-              <a:t>28.03.2021</a:t>
+              <a:t>19.04.2021</a:t>
             </a:fld>
             <a:endParaRPr lang="cs-CZ"/>
           </a:p>
@@ -846,7 +846,7 @@
           <a:p>
             <a:fld id="{F61FC408-B707-4AD1-9019-CBC7A56463C9}" type="datetimeFigureOut">
               <a:rPr lang="cs-CZ" smtClean="0"/>
-              <a:t>28.03.2021</a:t>
+              <a:t>19.04.2021</a:t>
             </a:fld>
             <a:endParaRPr lang="cs-CZ"/>
           </a:p>
@@ -1099,7 +1099,7 @@
           <a:p>
             <a:fld id="{F61FC408-B707-4AD1-9019-CBC7A56463C9}" type="datetimeFigureOut">
               <a:rPr lang="cs-CZ" smtClean="0"/>
-              <a:t>28.03.2021</a:t>
+              <a:t>19.04.2021</a:t>
             </a:fld>
             <a:endParaRPr lang="cs-CZ"/>
           </a:p>
@@ -1331,7 +1331,7 @@
           <a:p>
             <a:fld id="{F61FC408-B707-4AD1-9019-CBC7A56463C9}" type="datetimeFigureOut">
               <a:rPr lang="cs-CZ" smtClean="0"/>
-              <a:t>28.03.2021</a:t>
+              <a:t>19.04.2021</a:t>
             </a:fld>
             <a:endParaRPr lang="cs-CZ"/>
           </a:p>
@@ -1698,7 +1698,7 @@
           <a:p>
             <a:fld id="{F61FC408-B707-4AD1-9019-CBC7A56463C9}" type="datetimeFigureOut">
               <a:rPr lang="cs-CZ" smtClean="0"/>
-              <a:t>28.03.2021</a:t>
+              <a:t>19.04.2021</a:t>
             </a:fld>
             <a:endParaRPr lang="cs-CZ"/>
           </a:p>
@@ -1816,7 +1816,7 @@
           <a:p>
             <a:fld id="{F61FC408-B707-4AD1-9019-CBC7A56463C9}" type="datetimeFigureOut">
               <a:rPr lang="cs-CZ" smtClean="0"/>
-              <a:t>28.03.2021</a:t>
+              <a:t>19.04.2021</a:t>
             </a:fld>
             <a:endParaRPr lang="cs-CZ"/>
           </a:p>
@@ -1911,7 +1911,7 @@
           <a:p>
             <a:fld id="{F61FC408-B707-4AD1-9019-CBC7A56463C9}" type="datetimeFigureOut">
               <a:rPr lang="cs-CZ" smtClean="0"/>
-              <a:t>28.03.2021</a:t>
+              <a:t>19.04.2021</a:t>
             </a:fld>
             <a:endParaRPr lang="cs-CZ"/>
           </a:p>
@@ -2188,7 +2188,7 @@
           <a:p>
             <a:fld id="{F61FC408-B707-4AD1-9019-CBC7A56463C9}" type="datetimeFigureOut">
               <a:rPr lang="cs-CZ" smtClean="0"/>
-              <a:t>28.03.2021</a:t>
+              <a:t>19.04.2021</a:t>
             </a:fld>
             <a:endParaRPr lang="cs-CZ"/>
           </a:p>
@@ -2441,7 +2441,7 @@
           <a:p>
             <a:fld id="{F61FC408-B707-4AD1-9019-CBC7A56463C9}" type="datetimeFigureOut">
               <a:rPr lang="cs-CZ" smtClean="0"/>
-              <a:t>28.03.2021</a:t>
+              <a:t>19.04.2021</a:t>
             </a:fld>
             <a:endParaRPr lang="cs-CZ"/>
           </a:p>
@@ -2654,7 +2654,7 @@
           <a:p>
             <a:fld id="{F61FC408-B707-4AD1-9019-CBC7A56463C9}" type="datetimeFigureOut">
               <a:rPr lang="cs-CZ" smtClean="0"/>
-              <a:t>28.03.2021</a:t>
+              <a:t>19.04.2021</a:t>
             </a:fld>
             <a:endParaRPr lang="cs-CZ"/>
           </a:p>
@@ -3502,11 +3502,11 @@
   <p:clrMapOvr>
     <a:masterClrMapping/>
   </p:clrMapOvr>
-  <mc:AlternateContent xmlns:mc="http://schemas.openxmlformats.org/markup-compatibility/2006">
-    <mc:Choice xmlns:p14="http://schemas.microsoft.com/office/powerpoint/2010/main" Requires="p14">
+  <mc:AlternateContent xmlns:mc="http://schemas.openxmlformats.org/markup-compatibility/2006" xmlns:p14="http://schemas.microsoft.com/office/powerpoint/2010/main">
+    <mc:Choice Requires="p14">
       <p:transition p14:dur="0"/>
     </mc:Choice>
-    <mc:Fallback>
+    <mc:Fallback xmlns="">
       <p:transition/>
     </mc:Fallback>
   </mc:AlternateContent>
@@ -3873,11 +3873,11 @@
   <p:clrMapOvr>
     <a:masterClrMapping/>
   </p:clrMapOvr>
-  <mc:AlternateContent xmlns:mc="http://schemas.openxmlformats.org/markup-compatibility/2006">
-    <mc:Choice xmlns:p14="http://schemas.microsoft.com/office/powerpoint/2010/main" Requires="p14">
+  <mc:AlternateContent xmlns:mc="http://schemas.openxmlformats.org/markup-compatibility/2006" xmlns:p14="http://schemas.microsoft.com/office/powerpoint/2010/main">
+    <mc:Choice Requires="p14">
       <p:transition p14:dur="0"/>
     </mc:Choice>
-    <mc:Fallback>
+    <mc:Fallback xmlns="">
       <p:transition/>
     </mc:Fallback>
   </mc:AlternateContent>
@@ -4253,11 +4253,11 @@
   <p:clrMapOvr>
     <a:masterClrMapping/>
   </p:clrMapOvr>
-  <mc:AlternateContent xmlns:mc="http://schemas.openxmlformats.org/markup-compatibility/2006">
-    <mc:Choice xmlns:p14="http://schemas.microsoft.com/office/powerpoint/2010/main" Requires="p14">
+  <mc:AlternateContent xmlns:mc="http://schemas.openxmlformats.org/markup-compatibility/2006" xmlns:p14="http://schemas.microsoft.com/office/powerpoint/2010/main">
+    <mc:Choice Requires="p14">
       <p:transition p14:dur="0"/>
     </mc:Choice>
-    <mc:Fallback>
+    <mc:Fallback xmlns="">
       <p:transition/>
     </mc:Fallback>
   </mc:AlternateContent>
@@ -4382,11 +4382,7 @@
             </a:r>
             <a:r>
               <a:rPr lang="en-US" dirty="0" smtClean="0"/>
-              <a:t> </a:t>
-            </a:r>
-            <a:r>
-              <a:rPr lang="en-US" dirty="0" smtClean="0"/>
-              <a:t>// </a:t>
+              <a:t> // </a:t>
             </a:r>
             <a:r>
               <a:rPr lang="cs-CZ" dirty="0" smtClean="0">
@@ -14205,11 +14201,11 @@
   <p:clrMapOvr>
     <a:masterClrMapping/>
   </p:clrMapOvr>
-  <mc:AlternateContent xmlns:mc="http://schemas.openxmlformats.org/markup-compatibility/2006">
-    <mc:Choice xmlns:p14="http://schemas.microsoft.com/office/powerpoint/2010/main" Requires="p14">
+  <mc:AlternateContent xmlns:mc="http://schemas.openxmlformats.org/markup-compatibility/2006" xmlns:p14="http://schemas.microsoft.com/office/powerpoint/2010/main">
+    <mc:Choice Requires="p14">
       <p:transition p14:dur="0"/>
     </mc:Choice>
-    <mc:Fallback>
+    <mc:Fallback xmlns="">
       <p:transition/>
     </mc:Fallback>
   </mc:AlternateContent>
@@ -14561,11 +14557,11 @@
   <p:clrMapOvr>
     <a:masterClrMapping/>
   </p:clrMapOvr>
-  <mc:AlternateContent xmlns:mc="http://schemas.openxmlformats.org/markup-compatibility/2006">
-    <mc:Choice xmlns:p14="http://schemas.microsoft.com/office/powerpoint/2010/main" Requires="p14">
+  <mc:AlternateContent xmlns:mc="http://schemas.openxmlformats.org/markup-compatibility/2006" xmlns:p14="http://schemas.microsoft.com/office/powerpoint/2010/main">
+    <mc:Choice Requires="p14">
       <p:transition p14:dur="0"/>
     </mc:Choice>
-    <mc:Fallback>
+    <mc:Fallback xmlns="">
       <p:transition/>
     </mc:Fallback>
   </mc:AlternateContent>
